--- a/Mechanical/Schemenskizzen/Powerpoint/Förderband_Kettenglieder.pptx
+++ b/Mechanical/Schemenskizzen/Powerpoint/Förderband_Kettenglieder.pptx
@@ -104,6 +104,11 @@
       </a:defRPr>
     </a:lvl9pPr>
   </p:defaultTextStyle>
+  <p:extLst>
+    <p:ext uri="{EFAFB233-063F-42B5-8137-9DF3F51BA10A}">
+      <p15:sldGuideLst xmlns:p15="http://schemas.microsoft.com/office/powerpoint/2012/main"/>
+    </p:ext>
+  </p:extLst>
 </p:presentation>
 </file>
 
@@ -256,7 +261,7 @@
           <a:p>
             <a:fld id="{FCD75C6C-5B08-472C-8AE1-677C83949AF7}" type="datetimeFigureOut">
               <a:rPr lang="de-AT" smtClean="0"/>
-              <a:t>08.02.2018</a:t>
+              <a:t>18.02.2018</a:t>
             </a:fld>
             <a:endParaRPr lang="de-AT"/>
           </a:p>
@@ -456,7 +461,7 @@
           <a:p>
             <a:fld id="{FCD75C6C-5B08-472C-8AE1-677C83949AF7}" type="datetimeFigureOut">
               <a:rPr lang="de-AT" smtClean="0"/>
-              <a:t>08.02.2018</a:t>
+              <a:t>18.02.2018</a:t>
             </a:fld>
             <a:endParaRPr lang="de-AT"/>
           </a:p>
@@ -666,7 +671,7 @@
           <a:p>
             <a:fld id="{FCD75C6C-5B08-472C-8AE1-677C83949AF7}" type="datetimeFigureOut">
               <a:rPr lang="de-AT" smtClean="0"/>
-              <a:t>08.02.2018</a:t>
+              <a:t>18.02.2018</a:t>
             </a:fld>
             <a:endParaRPr lang="de-AT"/>
           </a:p>
@@ -866,7 +871,7 @@
           <a:p>
             <a:fld id="{FCD75C6C-5B08-472C-8AE1-677C83949AF7}" type="datetimeFigureOut">
               <a:rPr lang="de-AT" smtClean="0"/>
-              <a:t>08.02.2018</a:t>
+              <a:t>18.02.2018</a:t>
             </a:fld>
             <a:endParaRPr lang="de-AT"/>
           </a:p>
@@ -1142,7 +1147,7 @@
           <a:p>
             <a:fld id="{FCD75C6C-5B08-472C-8AE1-677C83949AF7}" type="datetimeFigureOut">
               <a:rPr lang="de-AT" smtClean="0"/>
-              <a:t>08.02.2018</a:t>
+              <a:t>18.02.2018</a:t>
             </a:fld>
             <a:endParaRPr lang="de-AT"/>
           </a:p>
@@ -1410,7 +1415,7 @@
           <a:p>
             <a:fld id="{FCD75C6C-5B08-472C-8AE1-677C83949AF7}" type="datetimeFigureOut">
               <a:rPr lang="de-AT" smtClean="0"/>
-              <a:t>08.02.2018</a:t>
+              <a:t>18.02.2018</a:t>
             </a:fld>
             <a:endParaRPr lang="de-AT"/>
           </a:p>
@@ -1825,7 +1830,7 @@
           <a:p>
             <a:fld id="{FCD75C6C-5B08-472C-8AE1-677C83949AF7}" type="datetimeFigureOut">
               <a:rPr lang="de-AT" smtClean="0"/>
-              <a:t>08.02.2018</a:t>
+              <a:t>18.02.2018</a:t>
             </a:fld>
             <a:endParaRPr lang="de-AT"/>
           </a:p>
@@ -1967,7 +1972,7 @@
           <a:p>
             <a:fld id="{FCD75C6C-5B08-472C-8AE1-677C83949AF7}" type="datetimeFigureOut">
               <a:rPr lang="de-AT" smtClean="0"/>
-              <a:t>08.02.2018</a:t>
+              <a:t>18.02.2018</a:t>
             </a:fld>
             <a:endParaRPr lang="de-AT"/>
           </a:p>
@@ -2080,7 +2085,7 @@
           <a:p>
             <a:fld id="{FCD75C6C-5B08-472C-8AE1-677C83949AF7}" type="datetimeFigureOut">
               <a:rPr lang="de-AT" smtClean="0"/>
-              <a:t>08.02.2018</a:t>
+              <a:t>18.02.2018</a:t>
             </a:fld>
             <a:endParaRPr lang="de-AT"/>
           </a:p>
@@ -2393,7 +2398,7 @@
           <a:p>
             <a:fld id="{FCD75C6C-5B08-472C-8AE1-677C83949AF7}" type="datetimeFigureOut">
               <a:rPr lang="de-AT" smtClean="0"/>
-              <a:t>08.02.2018</a:t>
+              <a:t>18.02.2018</a:t>
             </a:fld>
             <a:endParaRPr lang="de-AT"/>
           </a:p>
@@ -2682,7 +2687,7 @@
           <a:p>
             <a:fld id="{FCD75C6C-5B08-472C-8AE1-677C83949AF7}" type="datetimeFigureOut">
               <a:rPr lang="de-AT" smtClean="0"/>
-              <a:t>08.02.2018</a:t>
+              <a:t>18.02.2018</a:t>
             </a:fld>
             <a:endParaRPr lang="de-AT"/>
           </a:p>
@@ -2925,7 +2930,7 @@
           <a:p>
             <a:fld id="{FCD75C6C-5B08-472C-8AE1-677C83949AF7}" type="datetimeFigureOut">
               <a:rPr lang="de-AT" smtClean="0"/>
-              <a:t>08.02.2018</a:t>
+              <a:t>18.02.2018</a:t>
             </a:fld>
             <a:endParaRPr lang="de-AT"/>
           </a:p>
@@ -3344,10 +3349,10 @@
       </p:grpSpPr>
       <p:grpSp>
         <p:nvGrpSpPr>
-          <p:cNvPr id="49" name="Gruppieren 48">
-            <a:extLst>
-              <a:ext uri="{FF2B5EF4-FFF2-40B4-BE49-F238E27FC236}">
-                <a16:creationId xmlns:a16="http://schemas.microsoft.com/office/drawing/2014/main" id="{A7445AAC-BF42-4976-9570-4C1842A84CB7}"/>
+          <p:cNvPr id="46" name="Gruppieren 45">
+            <a:extLst>
+              <a:ext uri="{FF2B5EF4-FFF2-40B4-BE49-F238E27FC236}">
+                <a16:creationId xmlns:a16="http://schemas.microsoft.com/office/drawing/2014/main" id="{E9B52A44-98F3-47F7-A3A5-9D487B16D33A}"/>
               </a:ext>
             </a:extLst>
           </p:cNvPr>
@@ -3356,10 +3361,10 @@
         </p:nvGrpSpPr>
         <p:grpSpPr>
           <a:xfrm>
-            <a:off x="2883877" y="1026941"/>
-            <a:ext cx="6358600" cy="2507525"/>
-            <a:chOff x="2883877" y="1026941"/>
-            <a:chExt cx="6358600" cy="2507525"/>
+            <a:off x="2916700" y="423566"/>
+            <a:ext cx="6358600" cy="3211841"/>
+            <a:chOff x="2916700" y="423566"/>
+            <a:chExt cx="6358600" cy="3211841"/>
           </a:xfrm>
         </p:grpSpPr>
         <p:sp>
@@ -3376,7 +3381,7 @@
           </p:nvSpPr>
           <p:spPr>
             <a:xfrm>
-              <a:off x="2883877" y="1026941"/>
+              <a:off x="2916700" y="3294280"/>
               <a:ext cx="6358576" cy="341127"/>
             </a:xfrm>
             <a:prstGeom prst="rect">
@@ -3428,7 +3433,7 @@
           </p:nvGrpSpPr>
           <p:grpSpPr>
             <a:xfrm>
-              <a:off x="2883877" y="2092568"/>
+              <a:off x="2916700" y="423566"/>
               <a:ext cx="6358600" cy="1441898"/>
               <a:chOff x="2883875" y="2725614"/>
               <a:chExt cx="6358600" cy="1441898"/>
@@ -4009,6 +4014,190 @@
             </p:style>
           </p:cxnSp>
         </p:grpSp>
+        <p:sp>
+          <p:nvSpPr>
+            <p:cNvPr id="44" name="Pfeil: nach oben 43">
+              <a:extLst>
+                <a:ext uri="{FF2B5EF4-FFF2-40B4-BE49-F238E27FC236}">
+                  <a16:creationId xmlns:a16="http://schemas.microsoft.com/office/drawing/2014/main" id="{6EC61F76-90C5-4537-852A-C084D5C0174B}"/>
+                </a:ext>
+              </a:extLst>
+            </p:cNvPr>
+            <p:cNvSpPr/>
+            <p:nvPr/>
+          </p:nvSpPr>
+          <p:spPr>
+            <a:xfrm rot="10800000">
+              <a:off x="4597311" y="1865036"/>
+              <a:ext cx="337352" cy="732447"/>
+            </a:xfrm>
+            <a:prstGeom prst="upArrow">
+              <a:avLst/>
+            </a:prstGeom>
+          </p:spPr>
+          <p:style>
+            <a:lnRef idx="2">
+              <a:schemeClr val="accent1">
+                <a:shade val="50000"/>
+              </a:schemeClr>
+            </a:lnRef>
+            <a:fillRef idx="1">
+              <a:schemeClr val="accent1"/>
+            </a:fillRef>
+            <a:effectRef idx="0">
+              <a:schemeClr val="accent1"/>
+            </a:effectRef>
+            <a:fontRef idx="minor">
+              <a:schemeClr val="lt1"/>
+            </a:fontRef>
+          </p:style>
+          <p:txBody>
+            <a:bodyPr rtlCol="0" anchor="ctr"/>
+            <a:lstStyle/>
+            <a:p>
+              <a:pPr algn="ctr"/>
+              <a:endParaRPr lang="de-DE"/>
+            </a:p>
+          </p:txBody>
+        </p:sp>
+        <p:sp>
+          <p:nvSpPr>
+            <p:cNvPr id="50" name="Pfeil: nach oben 49">
+              <a:extLst>
+                <a:ext uri="{FF2B5EF4-FFF2-40B4-BE49-F238E27FC236}">
+                  <a16:creationId xmlns:a16="http://schemas.microsoft.com/office/drawing/2014/main" id="{13733B3E-CD3C-43DD-ABA6-270EDF96903C}"/>
+                </a:ext>
+              </a:extLst>
+            </p:cNvPr>
+            <p:cNvSpPr/>
+            <p:nvPr/>
+          </p:nvSpPr>
+          <p:spPr>
+            <a:xfrm rot="10800000">
+              <a:off x="5347940" y="1859402"/>
+              <a:ext cx="337352" cy="732447"/>
+            </a:xfrm>
+            <a:prstGeom prst="upArrow">
+              <a:avLst/>
+            </a:prstGeom>
+          </p:spPr>
+          <p:style>
+            <a:lnRef idx="2">
+              <a:schemeClr val="accent1">
+                <a:shade val="50000"/>
+              </a:schemeClr>
+            </a:lnRef>
+            <a:fillRef idx="1">
+              <a:schemeClr val="accent1"/>
+            </a:fillRef>
+            <a:effectRef idx="0">
+              <a:schemeClr val="accent1"/>
+            </a:effectRef>
+            <a:fontRef idx="minor">
+              <a:schemeClr val="lt1"/>
+            </a:fontRef>
+          </p:style>
+          <p:txBody>
+            <a:bodyPr rtlCol="0" anchor="ctr"/>
+            <a:lstStyle/>
+            <a:p>
+              <a:pPr algn="ctr"/>
+              <a:endParaRPr lang="de-DE"/>
+            </a:p>
+          </p:txBody>
+        </p:sp>
+        <p:sp>
+          <p:nvSpPr>
+            <p:cNvPr id="51" name="Pfeil: nach oben 50">
+              <a:extLst>
+                <a:ext uri="{FF2B5EF4-FFF2-40B4-BE49-F238E27FC236}">
+                  <a16:creationId xmlns:a16="http://schemas.microsoft.com/office/drawing/2014/main" id="{3C69ED18-AFBC-4AA1-AABA-B413348E8479}"/>
+                </a:ext>
+              </a:extLst>
+            </p:cNvPr>
+            <p:cNvSpPr/>
+            <p:nvPr/>
+          </p:nvSpPr>
+          <p:spPr>
+            <a:xfrm rot="10800000">
+              <a:off x="6098570" y="1859402"/>
+              <a:ext cx="337352" cy="732447"/>
+            </a:xfrm>
+            <a:prstGeom prst="upArrow">
+              <a:avLst/>
+            </a:prstGeom>
+          </p:spPr>
+          <p:style>
+            <a:lnRef idx="2">
+              <a:schemeClr val="accent1">
+                <a:shade val="50000"/>
+              </a:schemeClr>
+            </a:lnRef>
+            <a:fillRef idx="1">
+              <a:schemeClr val="accent1"/>
+            </a:fillRef>
+            <a:effectRef idx="0">
+              <a:schemeClr val="accent1"/>
+            </a:effectRef>
+            <a:fontRef idx="minor">
+              <a:schemeClr val="lt1"/>
+            </a:fontRef>
+          </p:style>
+          <p:txBody>
+            <a:bodyPr rtlCol="0" anchor="ctr"/>
+            <a:lstStyle/>
+            <a:p>
+              <a:pPr algn="ctr"/>
+              <a:endParaRPr lang="de-DE"/>
+            </a:p>
+          </p:txBody>
+        </p:sp>
+        <p:sp>
+          <p:nvSpPr>
+            <p:cNvPr id="52" name="Pfeil: nach oben 51">
+              <a:extLst>
+                <a:ext uri="{FF2B5EF4-FFF2-40B4-BE49-F238E27FC236}">
+                  <a16:creationId xmlns:a16="http://schemas.microsoft.com/office/drawing/2014/main" id="{9341942A-5CF8-4A6A-BC0A-142F367C9B3B}"/>
+                </a:ext>
+              </a:extLst>
+            </p:cNvPr>
+            <p:cNvSpPr/>
+            <p:nvPr/>
+          </p:nvSpPr>
+          <p:spPr>
+            <a:xfrm rot="10800000">
+              <a:off x="6849200" y="1865891"/>
+              <a:ext cx="337352" cy="732447"/>
+            </a:xfrm>
+            <a:prstGeom prst="upArrow">
+              <a:avLst/>
+            </a:prstGeom>
+          </p:spPr>
+          <p:style>
+            <a:lnRef idx="2">
+              <a:schemeClr val="accent1">
+                <a:shade val="50000"/>
+              </a:schemeClr>
+            </a:lnRef>
+            <a:fillRef idx="1">
+              <a:schemeClr val="accent1"/>
+            </a:fillRef>
+            <a:effectRef idx="0">
+              <a:schemeClr val="accent1"/>
+            </a:effectRef>
+            <a:fontRef idx="minor">
+              <a:schemeClr val="lt1"/>
+            </a:fontRef>
+          </p:style>
+          <p:txBody>
+            <a:bodyPr rtlCol="0" anchor="ctr"/>
+            <a:lstStyle/>
+            <a:p>
+              <a:pPr algn="ctr"/>
+              <a:endParaRPr lang="de-DE"/>
+            </a:p>
+          </p:txBody>
+        </p:sp>
       </p:grpSp>
     </p:spTree>
     <p:extLst>
